--- a/presentation.pptx
+++ b/presentation.pptx
@@ -115,6 +115,11 @@
       </a:defRPr>
     </a:lvl9pPr>
   </p:defaultTextStyle>
+  <p:extLst>
+    <p:ext uri="{EFAFB233-063F-42B5-8137-9DF3F51BA10A}">
+      <p15:sldGuideLst xmlns:p15="http://schemas.microsoft.com/office/powerpoint/2012/main"/>
+    </p:ext>
+  </p:extLst>
 </p:presentation>
 </file>
 
@@ -6432,7 +6437,7 @@
           <a:lstStyle/>
           <a:p>
             <a:r>
-              <a:rPr lang="en-US">
+              <a:rPr lang="en-US" dirty="0">
                 <a:solidFill>
                   <a:srgbClr val="FFFFFF"/>
                 </a:solidFill>
@@ -6627,21 +6632,13 @@
                   <a:srgbClr val="FFFFFF"/>
                 </a:solidFill>
               </a:rPr>
-              <a:t>F# became the perfect complement to C\# and Visual Basic in the .NET Framework.</a:t>
+              <a:t>F# became the perfect complement to C# and Visual Basic in the .NET Framework.</a:t>
             </a:r>
           </a:p>
           <a:p>
             <a:r>
               <a:rPr lang="en-US" dirty="0"/>
-              <a:t>F# is a powerful computing language for </a:t>
-            </a:r>
-            <a:r>
-              <a:rPr lang="en-US" dirty="0" err="1"/>
-              <a:t>manipulatingdata</a:t>
-            </a:r>
-            <a:r>
-              <a:rPr lang="en-US" dirty="0"/>
-              <a:t>, such as in the fields of data analysis, data visualizations, and high-performance analytics</a:t>
+              <a:t>F# is a powerful computing language for manipulating data, such as in the fields of data analysis, data visualizations, and high-performance analytics</a:t>
             </a:r>
           </a:p>
         </p:txBody>
@@ -7575,7 +7572,7 @@
           <a:p>
             <a:r>
               <a:rPr lang="en-US" dirty="0"/>
-              <a:t>Compare to Haskell, Function Composition is much easier F#</a:t>
+              <a:t>Compare to Haskell, Function Composition is much easier in F#</a:t>
             </a:r>
           </a:p>
           <a:p>
